--- a/Web1.pptx
+++ b/Web1.pptx
@@ -19572,36 +19572,6 @@
           </a:p>
         </p:txBody>
       </p:sp>
-      <p:pic>
-        <p:nvPicPr>
-          <p:cNvPr id="6" name="圖片 5">
-            <a:extLst>
-              <a:ext uri="{FF2B5EF4-FFF2-40B4-BE49-F238E27FC236}">
-                <a16:creationId xmlns:a16="http://schemas.microsoft.com/office/drawing/2014/main" id="{EF145BA6-460D-4A0F-959C-DEC467E27E65}"/>
-              </a:ext>
-            </a:extLst>
-          </p:cNvPr>
-          <p:cNvPicPr>
-            <a:picLocks noChangeAspect="1"/>
-          </p:cNvPicPr>
-          <p:nvPr/>
-        </p:nvPicPr>
-        <p:blipFill>
-          <a:blip r:embed="rId2"/>
-          <a:stretch>
-            <a:fillRect/>
-          </a:stretch>
-        </p:blipFill>
-        <p:spPr>
-          <a:xfrm>
-            <a:off x="679903" y="2227238"/>
-            <a:ext cx="4454248" cy="2390085"/>
-          </a:xfrm>
-          <a:prstGeom prst="rect">
-            <a:avLst/>
-          </a:prstGeom>
-        </p:spPr>
-      </p:pic>
       <p:sp>
         <p:nvSpPr>
           <p:cNvPr id="11" name="文字方塊 10">
@@ -19639,10 +19609,40 @@
       </p:sp>
       <p:pic>
         <p:nvPicPr>
-          <p:cNvPr id="9" name="圖片 8">
+          <p:cNvPr id="5" name="圖片 4">
             <a:extLst>
               <a:ext uri="{FF2B5EF4-FFF2-40B4-BE49-F238E27FC236}">
-                <a16:creationId xmlns:a16="http://schemas.microsoft.com/office/drawing/2014/main" id="{9FC9D0BE-6DB0-46D3-998F-795D7C47EB3C}"/>
+                <a16:creationId xmlns:a16="http://schemas.microsoft.com/office/drawing/2014/main" id="{DDAF0907-7AB4-43B1-BC06-1A6868811F27}"/>
+              </a:ext>
+            </a:extLst>
+          </p:cNvPr>
+          <p:cNvPicPr>
+            <a:picLocks noChangeAspect="1"/>
+          </p:cNvPicPr>
+          <p:nvPr/>
+        </p:nvPicPr>
+        <p:blipFill>
+          <a:blip r:embed="rId2"/>
+          <a:stretch>
+            <a:fillRect/>
+          </a:stretch>
+        </p:blipFill>
+        <p:spPr>
+          <a:xfrm>
+            <a:off x="695455" y="2237846"/>
+            <a:ext cx="4423144" cy="2373394"/>
+          </a:xfrm>
+          <a:prstGeom prst="rect">
+            <a:avLst/>
+          </a:prstGeom>
+        </p:spPr>
+      </p:pic>
+      <p:pic>
+        <p:nvPicPr>
+          <p:cNvPr id="8" name="圖片 7">
+            <a:extLst>
+              <a:ext uri="{FF2B5EF4-FFF2-40B4-BE49-F238E27FC236}">
+                <a16:creationId xmlns:a16="http://schemas.microsoft.com/office/drawing/2014/main" id="{38875A1C-5952-4847-B7A9-04B5282A2DF3}"/>
               </a:ext>
             </a:extLst>
           </p:cNvPr>
@@ -19659,8 +19659,8 @@
         </p:blipFill>
         <p:spPr>
           <a:xfrm>
-            <a:off x="5603823" y="1536539"/>
-            <a:ext cx="2978745" cy="3080784"/>
+            <a:off x="5717406" y="1776607"/>
+            <a:ext cx="2751580" cy="2834633"/>
           </a:xfrm>
           <a:prstGeom prst="rect">
             <a:avLst/>
@@ -20775,10 +20775,10 @@
       </p:sp>
       <p:pic>
         <p:nvPicPr>
-          <p:cNvPr id="5" name="圖片 4">
+          <p:cNvPr id="6" name="圖片 5">
             <a:extLst>
               <a:ext uri="{FF2B5EF4-FFF2-40B4-BE49-F238E27FC236}">
-                <a16:creationId xmlns:a16="http://schemas.microsoft.com/office/drawing/2014/main" id="{A7118504-F1BE-4BA1-875F-47360DA0DFF3}"/>
+                <a16:creationId xmlns:a16="http://schemas.microsoft.com/office/drawing/2014/main" id="{6A7E9926-42B6-4B6C-B810-71058EBF3EE7}"/>
               </a:ext>
             </a:extLst>
           </p:cNvPr>
@@ -20795,8 +20795,8 @@
         </p:blipFill>
         <p:spPr>
           <a:xfrm>
-            <a:off x="4989350" y="1315035"/>
-            <a:ext cx="3362546" cy="3477732"/>
+            <a:off x="4919333" y="1261730"/>
+            <a:ext cx="3307683" cy="3407521"/>
           </a:xfrm>
           <a:prstGeom prst="rect">
             <a:avLst/>

--- a/Web1.pptx
+++ b/Web1.pptx
@@ -9556,8 +9556,8 @@
               <a:buNone/>
             </a:pPr>
             <a:r>
-              <a:rPr lang="en-US" altLang="zh-TW" dirty="0"/>
-              <a:t>2023/08/03</a:t>
+              <a:rPr lang="en-US" altLang="zh-TW"/>
+              <a:t>2023/08/08</a:t>
             </a:r>
             <a:endParaRPr dirty="0"/>
           </a:p>
